--- a/Calendario2024/presentaciones/18_Expresiones_regulares.pptx
+++ b/Calendario2024/presentaciones/18_Expresiones_regulares.pptx
@@ -258,7 +258,7 @@
           <a:p>
             <a:fld id="{DDE721D5-655F-45D2-B717-3C4CD78C8568}" type="datetimeFigureOut">
               <a:rPr lang="es-MX" smtClean="0"/>
-              <a:t>30/08/2023</a:t>
+              <a:t>05/03/2024</a:t>
             </a:fld>
             <a:endParaRPr lang="es-MX" dirty="0"/>
           </a:p>
@@ -417,7 +417,7 @@
           <a:p>
             <a:fld id="{6BAB4312-99A1-4CE9-ACE7-4C62E9FD90EE}" type="slidenum">
               <a:rPr lang="es-MX" smtClean="0"/>
-              <a:t>‹Nº›</a:t>
+              <a:t>‹#›</a:t>
             </a:fld>
             <a:endParaRPr lang="es-MX" dirty="0"/>
           </a:p>
@@ -4823,7 +4823,7 @@
           <a:p>
             <a:fld id="{B3F3E716-CACC-4490-AD07-F24B6A68DE47}" type="datetimeFigureOut">
               <a:rPr lang="es-MX" smtClean="0"/>
-              <a:t>30/08/2023</a:t>
+              <a:t>05/03/2024</a:t>
             </a:fld>
             <a:endParaRPr lang="es-MX" dirty="0"/>
           </a:p>
@@ -4865,7 +4865,7 @@
           <a:p>
             <a:fld id="{52A58D3C-5A37-463D-B2C9-8DF65AE0B01C}" type="slidenum">
               <a:rPr lang="es-MX" smtClean="0"/>
-              <a:t>‹Nº›</a:t>
+              <a:t>‹#›</a:t>
             </a:fld>
             <a:endParaRPr lang="es-MX" dirty="0"/>
           </a:p>
@@ -4993,7 +4993,7 @@
           <a:p>
             <a:fld id="{B3F3E716-CACC-4490-AD07-F24B6A68DE47}" type="datetimeFigureOut">
               <a:rPr lang="es-MX" smtClean="0"/>
-              <a:t>30/08/2023</a:t>
+              <a:t>05/03/2024</a:t>
             </a:fld>
             <a:endParaRPr lang="es-MX" dirty="0"/>
           </a:p>
@@ -5035,7 +5035,7 @@
           <a:p>
             <a:fld id="{52A58D3C-5A37-463D-B2C9-8DF65AE0B01C}" type="slidenum">
               <a:rPr lang="es-MX" smtClean="0"/>
-              <a:t>‹Nº›</a:t>
+              <a:t>‹#›</a:t>
             </a:fld>
             <a:endParaRPr lang="es-MX" dirty="0"/>
           </a:p>
@@ -5173,7 +5173,7 @@
           <a:p>
             <a:fld id="{B3F3E716-CACC-4490-AD07-F24B6A68DE47}" type="datetimeFigureOut">
               <a:rPr lang="es-MX" smtClean="0"/>
-              <a:t>30/08/2023</a:t>
+              <a:t>05/03/2024</a:t>
             </a:fld>
             <a:endParaRPr lang="es-MX" dirty="0"/>
           </a:p>
@@ -5215,7 +5215,7 @@
           <a:p>
             <a:fld id="{52A58D3C-5A37-463D-B2C9-8DF65AE0B01C}" type="slidenum">
               <a:rPr lang="es-MX" smtClean="0"/>
-              <a:t>‹Nº›</a:t>
+              <a:t>‹#›</a:t>
             </a:fld>
             <a:endParaRPr lang="es-MX" dirty="0"/>
           </a:p>
@@ -5326,7 +5326,7 @@
           <a:p>
             <a:fld id="{1D8BD707-D9CF-40AE-B4C6-C98DA3205C09}" type="datetimeFigureOut">
               <a:rPr lang="en-US" smtClean="0"/>
-              <a:t>8/30/2023</a:t>
+              <a:t>3/5/2024</a:t>
             </a:fld>
             <a:endParaRPr lang="en-US" dirty="0"/>
           </a:p>
@@ -5356,7 +5356,7 @@
                 <a:cs typeface="Calibri"/>
               </a:rPr>
               <a:pPr marL="25400"/>
-              <a:t>‹Nº›</a:t>
+              <a:t>‹#›</a:t>
             </a:fld>
             <a:endParaRPr lang="es-MX" dirty="0">
               <a:cs typeface="Calibri"/>
@@ -5486,7 +5486,7 @@
           <a:p>
             <a:fld id="{B3F3E716-CACC-4490-AD07-F24B6A68DE47}" type="datetimeFigureOut">
               <a:rPr lang="es-MX" smtClean="0"/>
-              <a:t>30/08/2023</a:t>
+              <a:t>05/03/2024</a:t>
             </a:fld>
             <a:endParaRPr lang="es-MX" dirty="0"/>
           </a:p>
@@ -5528,7 +5528,7 @@
           <a:p>
             <a:fld id="{52A58D3C-5A37-463D-B2C9-8DF65AE0B01C}" type="slidenum">
               <a:rPr lang="es-MX" smtClean="0"/>
-              <a:t>‹Nº›</a:t>
+              <a:t>‹#›</a:t>
             </a:fld>
             <a:endParaRPr lang="es-MX" dirty="0"/>
           </a:p>
@@ -5732,7 +5732,7 @@
           <a:p>
             <a:fld id="{B3F3E716-CACC-4490-AD07-F24B6A68DE47}" type="datetimeFigureOut">
               <a:rPr lang="es-MX" smtClean="0"/>
-              <a:t>30/08/2023</a:t>
+              <a:t>05/03/2024</a:t>
             </a:fld>
             <a:endParaRPr lang="es-MX" dirty="0"/>
           </a:p>
@@ -5774,7 +5774,7 @@
           <a:p>
             <a:fld id="{52A58D3C-5A37-463D-B2C9-8DF65AE0B01C}" type="slidenum">
               <a:rPr lang="es-MX" smtClean="0"/>
-              <a:t>‹Nº›</a:t>
+              <a:t>‹#›</a:t>
             </a:fld>
             <a:endParaRPr lang="es-MX" dirty="0"/>
           </a:p>
@@ -6020,7 +6020,7 @@
           <a:p>
             <a:fld id="{B3F3E716-CACC-4490-AD07-F24B6A68DE47}" type="datetimeFigureOut">
               <a:rPr lang="es-MX" smtClean="0"/>
-              <a:t>30/08/2023</a:t>
+              <a:t>05/03/2024</a:t>
             </a:fld>
             <a:endParaRPr lang="es-MX" dirty="0"/>
           </a:p>
@@ -6062,7 +6062,7 @@
           <a:p>
             <a:fld id="{52A58D3C-5A37-463D-B2C9-8DF65AE0B01C}" type="slidenum">
               <a:rPr lang="es-MX" smtClean="0"/>
-              <a:t>‹Nº›</a:t>
+              <a:t>‹#›</a:t>
             </a:fld>
             <a:endParaRPr lang="es-MX" dirty="0"/>
           </a:p>
@@ -6442,7 +6442,7 @@
           <a:p>
             <a:fld id="{B3F3E716-CACC-4490-AD07-F24B6A68DE47}" type="datetimeFigureOut">
               <a:rPr lang="es-MX" smtClean="0"/>
-              <a:t>30/08/2023</a:t>
+              <a:t>05/03/2024</a:t>
             </a:fld>
             <a:endParaRPr lang="es-MX" dirty="0"/>
           </a:p>
@@ -6484,7 +6484,7 @@
           <a:p>
             <a:fld id="{52A58D3C-5A37-463D-B2C9-8DF65AE0B01C}" type="slidenum">
               <a:rPr lang="es-MX" smtClean="0"/>
-              <a:t>‹Nº›</a:t>
+              <a:t>‹#›</a:t>
             </a:fld>
             <a:endParaRPr lang="es-MX" dirty="0"/>
           </a:p>
@@ -6560,7 +6560,7 @@
           <a:p>
             <a:fld id="{B3F3E716-CACC-4490-AD07-F24B6A68DE47}" type="datetimeFigureOut">
               <a:rPr lang="es-MX" smtClean="0"/>
-              <a:t>30/08/2023</a:t>
+              <a:t>05/03/2024</a:t>
             </a:fld>
             <a:endParaRPr lang="es-MX" dirty="0"/>
           </a:p>
@@ -6602,7 +6602,7 @@
           <a:p>
             <a:fld id="{52A58D3C-5A37-463D-B2C9-8DF65AE0B01C}" type="slidenum">
               <a:rPr lang="es-MX" smtClean="0"/>
-              <a:t>‹Nº›</a:t>
+              <a:t>‹#›</a:t>
             </a:fld>
             <a:endParaRPr lang="es-MX" dirty="0"/>
           </a:p>
@@ -6655,7 +6655,7 @@
           <a:p>
             <a:fld id="{B3F3E716-CACC-4490-AD07-F24B6A68DE47}" type="datetimeFigureOut">
               <a:rPr lang="es-MX" smtClean="0"/>
-              <a:t>30/08/2023</a:t>
+              <a:t>05/03/2024</a:t>
             </a:fld>
             <a:endParaRPr lang="es-MX" dirty="0"/>
           </a:p>
@@ -6697,7 +6697,7 @@
           <a:p>
             <a:fld id="{52A58D3C-5A37-463D-B2C9-8DF65AE0B01C}" type="slidenum">
               <a:rPr lang="es-MX" smtClean="0"/>
-              <a:t>‹Nº›</a:t>
+              <a:t>‹#›</a:t>
             </a:fld>
             <a:endParaRPr lang="es-MX" dirty="0"/>
           </a:p>
@@ -6932,7 +6932,7 @@
           <a:p>
             <a:fld id="{B3F3E716-CACC-4490-AD07-F24B6A68DE47}" type="datetimeFigureOut">
               <a:rPr lang="es-MX" smtClean="0"/>
-              <a:t>30/08/2023</a:t>
+              <a:t>05/03/2024</a:t>
             </a:fld>
             <a:endParaRPr lang="es-MX" dirty="0"/>
           </a:p>
@@ -6974,7 +6974,7 @@
           <a:p>
             <a:fld id="{52A58D3C-5A37-463D-B2C9-8DF65AE0B01C}" type="slidenum">
               <a:rPr lang="es-MX" smtClean="0"/>
-              <a:t>‹Nº›</a:t>
+              <a:t>‹#›</a:t>
             </a:fld>
             <a:endParaRPr lang="es-MX" dirty="0"/>
           </a:p>
@@ -7185,7 +7185,7 @@
           <a:p>
             <a:fld id="{B3F3E716-CACC-4490-AD07-F24B6A68DE47}" type="datetimeFigureOut">
               <a:rPr lang="es-MX" smtClean="0"/>
-              <a:t>30/08/2023</a:t>
+              <a:t>05/03/2024</a:t>
             </a:fld>
             <a:endParaRPr lang="es-MX" dirty="0"/>
           </a:p>
@@ -7227,7 +7227,7 @@
           <a:p>
             <a:fld id="{52A58D3C-5A37-463D-B2C9-8DF65AE0B01C}" type="slidenum">
               <a:rPr lang="es-MX" smtClean="0"/>
-              <a:t>‹Nº›</a:t>
+              <a:t>‹#›</a:t>
             </a:fld>
             <a:endParaRPr lang="es-MX" dirty="0"/>
           </a:p>
@@ -7398,7 +7398,7 @@
           <a:p>
             <a:fld id="{B3F3E716-CACC-4490-AD07-F24B6A68DE47}" type="datetimeFigureOut">
               <a:rPr lang="es-MX" smtClean="0"/>
-              <a:t>30/08/2023</a:t>
+              <a:t>05/03/2024</a:t>
             </a:fld>
             <a:endParaRPr lang="es-MX" dirty="0"/>
           </a:p>
@@ -7476,7 +7476,7 @@
           <a:p>
             <a:fld id="{52A58D3C-5A37-463D-B2C9-8DF65AE0B01C}" type="slidenum">
               <a:rPr lang="es-MX" smtClean="0"/>
-              <a:t>‹Nº›</a:t>
+              <a:t>‹#›</a:t>
             </a:fld>
             <a:endParaRPr lang="es-MX" dirty="0"/>
           </a:p>
@@ -17990,10 +17990,10 @@
       </p:pic>
       <p:sp>
         <p:nvSpPr>
-          <p:cNvPr id="11" name="CuadroTexto 10">
+          <p:cNvPr id="13" name="CuadroTexto 12">
             <a:extLst>
               <a:ext uri="{FF2B5EF4-FFF2-40B4-BE49-F238E27FC236}">
-                <a16:creationId xmlns:a16="http://schemas.microsoft.com/office/drawing/2014/main" id="{8B639346-C7D3-4F3C-A92E-0CAF457CEBD3}"/>
+                <a16:creationId xmlns:a16="http://schemas.microsoft.com/office/drawing/2014/main" id="{D8614476-5746-4910-AE97-837BDC1DE82C}"/>
               </a:ext>
             </a:extLst>
           </p:cNvPr>
@@ -18002,8 +18002,8 @@
         </p:nvSpPr>
         <p:spPr>
           <a:xfrm>
-            <a:off x="4704646" y="2674744"/>
-            <a:ext cx="2736304" cy="506292"/>
+            <a:off x="145553" y="2713911"/>
+            <a:ext cx="3562351" cy="506292"/>
           </a:xfrm>
           <a:prstGeom prst="rect">
             <a:avLst/>
@@ -18022,6 +18022,10 @@
               </a:lnSpc>
             </a:pPr>
             <a:r>
+              <a:rPr lang="es-MX" sz="2000" dirty="0"/>
+              <a:t>Conjunto de caracteres </a:t>
+            </a:r>
+            <a:r>
               <a:rPr lang="es-MX" sz="2000" b="1" dirty="0">
                 <a:solidFill>
                   <a:schemeClr val="accent6">
@@ -18029,21 +18033,21 @@
                   </a:schemeClr>
                 </a:solidFill>
               </a:rPr>
-              <a:t>(442|443|448)  </a:t>
+              <a:t>2, 3 u 8</a:t>
             </a:r>
             <a:r>
               <a:rPr lang="es-MX" sz="2000" dirty="0"/>
-              <a:t>Grupo</a:t>
+              <a:t>.</a:t>
             </a:r>
           </a:p>
         </p:txBody>
       </p:sp>
       <p:pic>
         <p:nvPicPr>
-          <p:cNvPr id="9" name="Imagen 8">
+          <p:cNvPr id="8" name="Picture 7">
             <a:extLst>
               <a:ext uri="{FF2B5EF4-FFF2-40B4-BE49-F238E27FC236}">
-                <a16:creationId xmlns:a16="http://schemas.microsoft.com/office/drawing/2014/main" id="{2B9E4A6D-AFA1-4DBB-8057-2208A0E8CC91}"/>
+                <a16:creationId xmlns:a16="http://schemas.microsoft.com/office/drawing/2014/main" id="{1C8D1C6E-EE42-B43B-9084-CF731AF947A1}"/>
               </a:ext>
             </a:extLst>
           </p:cNvPr>
@@ -18060,68 +18064,14 @@
         </p:blipFill>
         <p:spPr>
           <a:xfrm>
-            <a:off x="4704646" y="3365829"/>
-            <a:ext cx="4439354" cy="2270877"/>
+            <a:off x="4788023" y="3367076"/>
+            <a:ext cx="3824203" cy="3014251"/>
           </a:xfrm>
           <a:prstGeom prst="rect">
             <a:avLst/>
           </a:prstGeom>
         </p:spPr>
       </p:pic>
-      <p:sp>
-        <p:nvSpPr>
-          <p:cNvPr id="13" name="CuadroTexto 12">
-            <a:extLst>
-              <a:ext uri="{FF2B5EF4-FFF2-40B4-BE49-F238E27FC236}">
-                <a16:creationId xmlns:a16="http://schemas.microsoft.com/office/drawing/2014/main" id="{D8614476-5746-4910-AE97-837BDC1DE82C}"/>
-              </a:ext>
-            </a:extLst>
-          </p:cNvPr>
-          <p:cNvSpPr txBox="1"/>
-          <p:nvPr/>
-        </p:nvSpPr>
-        <p:spPr>
-          <a:xfrm>
-            <a:off x="145553" y="2713911"/>
-            <a:ext cx="3562351" cy="506292"/>
-          </a:xfrm>
-          <a:prstGeom prst="rect">
-            <a:avLst/>
-          </a:prstGeom>
-          <a:noFill/>
-        </p:spPr>
-        <p:txBody>
-          <a:bodyPr wrap="square">
-            <a:spAutoFit/>
-          </a:bodyPr>
-          <a:lstStyle/>
-          <a:p>
-            <a:pPr algn="just">
-              <a:lnSpc>
-                <a:spcPct val="150000"/>
-              </a:lnSpc>
-            </a:pPr>
-            <a:r>
-              <a:rPr lang="es-MX" sz="2000" dirty="0"/>
-              <a:t>Conjunto de caracteres </a:t>
-            </a:r>
-            <a:r>
-              <a:rPr lang="es-MX" sz="2000" b="1" dirty="0">
-                <a:solidFill>
-                  <a:schemeClr val="accent6">
-                    <a:lumMod val="75000"/>
-                  </a:schemeClr>
-                </a:solidFill>
-              </a:rPr>
-              <a:t>2, 3 u 8</a:t>
-            </a:r>
-            <a:r>
-              <a:rPr lang="es-MX" sz="2000" dirty="0"/>
-              <a:t>.</a:t>
-            </a:r>
-          </a:p>
-        </p:txBody>
-      </p:sp>
     </p:spTree>
     <p:extLst>
       <p:ext uri="{BB962C8B-B14F-4D97-AF65-F5344CB8AC3E}">

--- a/Calendario2024/presentaciones/18_Expresiones_regulares.pptx
+++ b/Calendario2024/presentaciones/18_Expresiones_regulares.pptx
@@ -5,7 +5,7 @@
     <p:sldMasterId id="2147483648" r:id="rId1"/>
   </p:sldMasterIdLst>
   <p:notesMasterIdLst>
-    <p:notesMasterId r:id="rId53"/>
+    <p:notesMasterId r:id="rId54"/>
   </p:notesMasterIdLst>
   <p:sldIdLst>
     <p:sldId id="293" r:id="rId2"/>
@@ -56,9 +56,10 @@
     <p:sldId id="674" r:id="rId47"/>
     <p:sldId id="685" r:id="rId48"/>
     <p:sldId id="689" r:id="rId49"/>
-    <p:sldId id="686" r:id="rId50"/>
+    <p:sldId id="729" r:id="rId50"/>
     <p:sldId id="691" r:id="rId51"/>
-    <p:sldId id="282" r:id="rId52"/>
+    <p:sldId id="686" r:id="rId52"/>
+    <p:sldId id="282" r:id="rId53"/>
   </p:sldIdLst>
   <p:sldSz cx="9144000" cy="6858000" type="screen4x3"/>
   <p:notesSz cx="7010400" cy="9296400"/>
@@ -258,7 +259,7 @@
           <a:p>
             <a:fld id="{DDE721D5-655F-45D2-B717-3C4CD78C8568}" type="datetimeFigureOut">
               <a:rPr lang="es-MX" smtClean="0"/>
-              <a:t>05/03/2024</a:t>
+              <a:t>07/03/2024</a:t>
             </a:fld>
             <a:endParaRPr lang="es-MX" dirty="0"/>
           </a:p>
@@ -4306,6 +4307,90 @@
 </p:notes>
 </file>
 
+<file path=ppt/notesSlides/notesSlide50.xml><?xml version="1.0" encoding="utf-8"?>
+<p:notes xmlns:a="http://schemas.openxmlformats.org/drawingml/2006/main" xmlns:r="http://schemas.openxmlformats.org/officeDocument/2006/relationships" xmlns:p="http://schemas.openxmlformats.org/presentationml/2006/main">
+  <p:cSld>
+    <p:spTree>
+      <p:nvGrpSpPr>
+        <p:cNvPr id="1" name=""/>
+        <p:cNvGrpSpPr/>
+        <p:nvPr/>
+      </p:nvGrpSpPr>
+      <p:grpSpPr>
+        <a:xfrm>
+          <a:off x="0" y="0"/>
+          <a:ext cx="0" cy="0"/>
+          <a:chOff x="0" y="0"/>
+          <a:chExt cx="0" cy="0"/>
+        </a:xfrm>
+      </p:grpSpPr>
+      <p:sp>
+        <p:nvSpPr>
+          <p:cNvPr id="2" name="Marcador de imagen de diapositiva 1"/>
+          <p:cNvSpPr>
+            <a:spLocks noGrp="1" noRot="1" noChangeAspect="1"/>
+          </p:cNvSpPr>
+          <p:nvPr>
+            <p:ph type="sldImg"/>
+          </p:nvPr>
+        </p:nvSpPr>
+        <p:spPr/>
+      </p:sp>
+      <p:sp>
+        <p:nvSpPr>
+          <p:cNvPr id="3" name="Marcador de notas 2"/>
+          <p:cNvSpPr>
+            <a:spLocks noGrp="1"/>
+          </p:cNvSpPr>
+          <p:nvPr>
+            <p:ph type="body" idx="1"/>
+          </p:nvPr>
+        </p:nvSpPr>
+        <p:spPr/>
+        <p:txBody>
+          <a:bodyPr/>
+          <a:lstStyle/>
+          <a:p>
+            <a:endParaRPr lang="es-MX" dirty="0"/>
+          </a:p>
+        </p:txBody>
+      </p:sp>
+      <p:sp>
+        <p:nvSpPr>
+          <p:cNvPr id="4" name="Marcador de número de diapositiva 3"/>
+          <p:cNvSpPr>
+            <a:spLocks noGrp="1"/>
+          </p:cNvSpPr>
+          <p:nvPr>
+            <p:ph type="sldNum" sz="quarter" idx="5"/>
+          </p:nvPr>
+        </p:nvSpPr>
+        <p:spPr/>
+        <p:txBody>
+          <a:bodyPr/>
+          <a:lstStyle/>
+          <a:p>
+            <a:fld id="{6BAB4312-99A1-4CE9-ACE7-4C62E9FD90EE}" type="slidenum">
+              <a:rPr lang="es-MX" smtClean="0"/>
+              <a:t>51</a:t>
+            </a:fld>
+            <a:endParaRPr lang="es-MX" dirty="0"/>
+          </a:p>
+        </p:txBody>
+      </p:sp>
+    </p:spTree>
+    <p:extLst>
+      <p:ext uri="{BB962C8B-B14F-4D97-AF65-F5344CB8AC3E}">
+        <p14:creationId xmlns:p14="http://schemas.microsoft.com/office/powerpoint/2010/main" val="2545028243"/>
+      </p:ext>
+    </p:extLst>
+  </p:cSld>
+  <p:clrMapOvr>
+    <a:masterClrMapping/>
+  </p:clrMapOvr>
+</p:notes>
+</file>
+
 <file path=ppt/notesSlides/notesSlide6.xml><?xml version="1.0" encoding="utf-8"?>
 <p:notes xmlns:a="http://schemas.openxmlformats.org/drawingml/2006/main" xmlns:r="http://schemas.openxmlformats.org/officeDocument/2006/relationships" xmlns:p="http://schemas.openxmlformats.org/presentationml/2006/main">
   <p:cSld>
@@ -4823,7 +4908,7 @@
           <a:p>
             <a:fld id="{B3F3E716-CACC-4490-AD07-F24B6A68DE47}" type="datetimeFigureOut">
               <a:rPr lang="es-MX" smtClean="0"/>
-              <a:t>05/03/2024</a:t>
+              <a:t>07/03/2024</a:t>
             </a:fld>
             <a:endParaRPr lang="es-MX" dirty="0"/>
           </a:p>
@@ -4993,7 +5078,7 @@
           <a:p>
             <a:fld id="{B3F3E716-CACC-4490-AD07-F24B6A68DE47}" type="datetimeFigureOut">
               <a:rPr lang="es-MX" smtClean="0"/>
-              <a:t>05/03/2024</a:t>
+              <a:t>07/03/2024</a:t>
             </a:fld>
             <a:endParaRPr lang="es-MX" dirty="0"/>
           </a:p>
@@ -5173,7 +5258,7 @@
           <a:p>
             <a:fld id="{B3F3E716-CACC-4490-AD07-F24B6A68DE47}" type="datetimeFigureOut">
               <a:rPr lang="es-MX" smtClean="0"/>
-              <a:t>05/03/2024</a:t>
+              <a:t>07/03/2024</a:t>
             </a:fld>
             <a:endParaRPr lang="es-MX" dirty="0"/>
           </a:p>
@@ -5326,7 +5411,7 @@
           <a:p>
             <a:fld id="{1D8BD707-D9CF-40AE-B4C6-C98DA3205C09}" type="datetimeFigureOut">
               <a:rPr lang="en-US" smtClean="0"/>
-              <a:t>3/5/2024</a:t>
+              <a:t>3/7/2024</a:t>
             </a:fld>
             <a:endParaRPr lang="en-US" dirty="0"/>
           </a:p>
@@ -5486,7 +5571,7 @@
           <a:p>
             <a:fld id="{B3F3E716-CACC-4490-AD07-F24B6A68DE47}" type="datetimeFigureOut">
               <a:rPr lang="es-MX" smtClean="0"/>
-              <a:t>05/03/2024</a:t>
+              <a:t>07/03/2024</a:t>
             </a:fld>
             <a:endParaRPr lang="es-MX" dirty="0"/>
           </a:p>
@@ -5732,7 +5817,7 @@
           <a:p>
             <a:fld id="{B3F3E716-CACC-4490-AD07-F24B6A68DE47}" type="datetimeFigureOut">
               <a:rPr lang="es-MX" smtClean="0"/>
-              <a:t>05/03/2024</a:t>
+              <a:t>07/03/2024</a:t>
             </a:fld>
             <a:endParaRPr lang="es-MX" dirty="0"/>
           </a:p>
@@ -6020,7 +6105,7 @@
           <a:p>
             <a:fld id="{B3F3E716-CACC-4490-AD07-F24B6A68DE47}" type="datetimeFigureOut">
               <a:rPr lang="es-MX" smtClean="0"/>
-              <a:t>05/03/2024</a:t>
+              <a:t>07/03/2024</a:t>
             </a:fld>
             <a:endParaRPr lang="es-MX" dirty="0"/>
           </a:p>
@@ -6442,7 +6527,7 @@
           <a:p>
             <a:fld id="{B3F3E716-CACC-4490-AD07-F24B6A68DE47}" type="datetimeFigureOut">
               <a:rPr lang="es-MX" smtClean="0"/>
-              <a:t>05/03/2024</a:t>
+              <a:t>07/03/2024</a:t>
             </a:fld>
             <a:endParaRPr lang="es-MX" dirty="0"/>
           </a:p>
@@ -6560,7 +6645,7 @@
           <a:p>
             <a:fld id="{B3F3E716-CACC-4490-AD07-F24B6A68DE47}" type="datetimeFigureOut">
               <a:rPr lang="es-MX" smtClean="0"/>
-              <a:t>05/03/2024</a:t>
+              <a:t>07/03/2024</a:t>
             </a:fld>
             <a:endParaRPr lang="es-MX" dirty="0"/>
           </a:p>
@@ -6655,7 +6740,7 @@
           <a:p>
             <a:fld id="{B3F3E716-CACC-4490-AD07-F24B6A68DE47}" type="datetimeFigureOut">
               <a:rPr lang="es-MX" smtClean="0"/>
-              <a:t>05/03/2024</a:t>
+              <a:t>07/03/2024</a:t>
             </a:fld>
             <a:endParaRPr lang="es-MX" dirty="0"/>
           </a:p>
@@ -6932,7 +7017,7 @@
           <a:p>
             <a:fld id="{B3F3E716-CACC-4490-AD07-F24B6A68DE47}" type="datetimeFigureOut">
               <a:rPr lang="es-MX" smtClean="0"/>
-              <a:t>05/03/2024</a:t>
+              <a:t>07/03/2024</a:t>
             </a:fld>
             <a:endParaRPr lang="es-MX" dirty="0"/>
           </a:p>
@@ -7185,7 +7270,7 @@
           <a:p>
             <a:fld id="{B3F3E716-CACC-4490-AD07-F24B6A68DE47}" type="datetimeFigureOut">
               <a:rPr lang="es-MX" smtClean="0"/>
-              <a:t>05/03/2024</a:t>
+              <a:t>07/03/2024</a:t>
             </a:fld>
             <a:endParaRPr lang="es-MX" dirty="0"/>
           </a:p>
@@ -7398,7 +7483,7 @@
           <a:p>
             <a:fld id="{B3F3E716-CACC-4490-AD07-F24B6A68DE47}" type="datetimeFigureOut">
               <a:rPr lang="es-MX" smtClean="0"/>
-              <a:t>05/03/2024</a:t>
+              <a:t>07/03/2024</a:t>
             </a:fld>
             <a:endParaRPr lang="es-MX" dirty="0"/>
           </a:p>
@@ -18357,7 +18442,7 @@
     </p:spTree>
     <p:extLst>
       <p:ext uri="{BB962C8B-B14F-4D97-AF65-F5344CB8AC3E}">
-        <p14:creationId xmlns:p14="http://schemas.microsoft.com/office/powerpoint/2010/main" val="1828510850"/>
+        <p14:creationId xmlns:p14="http://schemas.microsoft.com/office/powerpoint/2010/main" val="155978432"/>
       </p:ext>
     </p:extLst>
   </p:cSld>
@@ -18780,10 +18865,10 @@
       </p:sp>
       <p:pic>
         <p:nvPicPr>
-          <p:cNvPr id="3" name="Imagen 2">
+          <p:cNvPr id="4" name="Picture 3">
             <a:extLst>
               <a:ext uri="{FF2B5EF4-FFF2-40B4-BE49-F238E27FC236}">
-                <a16:creationId xmlns:a16="http://schemas.microsoft.com/office/drawing/2014/main" id="{7AD6BB48-B869-405B-B875-B9A19BA00A8A}"/>
+                <a16:creationId xmlns:a16="http://schemas.microsoft.com/office/drawing/2014/main" id="{A96E5DF4-656B-1B0A-FF2A-737F9C05E93F}"/>
               </a:ext>
             </a:extLst>
           </p:cNvPr>
@@ -18800,38 +18885,8 @@
         </p:blipFill>
         <p:spPr>
           <a:xfrm>
-            <a:off x="289721" y="2018540"/>
-            <a:ext cx="3616671" cy="4274905"/>
-          </a:xfrm>
-          <a:prstGeom prst="rect">
-            <a:avLst/>
-          </a:prstGeom>
-        </p:spPr>
-      </p:pic>
-      <p:pic>
-        <p:nvPicPr>
-          <p:cNvPr id="6" name="Imagen 5">
-            <a:extLst>
-              <a:ext uri="{FF2B5EF4-FFF2-40B4-BE49-F238E27FC236}">
-                <a16:creationId xmlns:a16="http://schemas.microsoft.com/office/drawing/2014/main" id="{AD51C595-39E7-4C6D-9549-7B441256DDE7}"/>
-              </a:ext>
-            </a:extLst>
-          </p:cNvPr>
-          <p:cNvPicPr>
-            <a:picLocks noChangeAspect="1"/>
-          </p:cNvPicPr>
-          <p:nvPr/>
-        </p:nvPicPr>
-        <p:blipFill>
-          <a:blip r:embed="rId4"/>
-          <a:stretch>
-            <a:fillRect/>
-          </a:stretch>
-        </p:blipFill>
-        <p:spPr>
-          <a:xfrm>
-            <a:off x="4029743" y="2002516"/>
-            <a:ext cx="4824536" cy="4274905"/>
+            <a:off x="1691680" y="1772816"/>
+            <a:ext cx="5472608" cy="4717764"/>
           </a:xfrm>
           <a:prstGeom prst="rect">
             <a:avLst/>
@@ -18852,6 +18907,178 @@
 </file>
 
 <file path=ppt/slides/slide51.xml><?xml version="1.0" encoding="utf-8"?>
+<p:sld xmlns:a="http://schemas.openxmlformats.org/drawingml/2006/main" xmlns:r="http://schemas.openxmlformats.org/officeDocument/2006/relationships" xmlns:p="http://schemas.openxmlformats.org/presentationml/2006/main">
+  <p:cSld>
+    <p:spTree>
+      <p:nvGrpSpPr>
+        <p:cNvPr id="1" name=""/>
+        <p:cNvGrpSpPr/>
+        <p:nvPr/>
+      </p:nvGrpSpPr>
+      <p:grpSpPr>
+        <a:xfrm>
+          <a:off x="0" y="0"/>
+          <a:ext cx="0" cy="0"/>
+          <a:chOff x="0" y="0"/>
+          <a:chExt cx="0" cy="0"/>
+        </a:xfrm>
+      </p:grpSpPr>
+      <p:sp>
+        <p:nvSpPr>
+          <p:cNvPr id="184324" name="Rectangle 4"/>
+          <p:cNvSpPr>
+            <a:spLocks noGrp="1" noChangeArrowheads="1"/>
+          </p:cNvSpPr>
+          <p:nvPr>
+            <p:ph type="title"/>
+          </p:nvPr>
+        </p:nvSpPr>
+        <p:spPr>
+          <a:xfrm>
+            <a:off x="289721" y="4056"/>
+            <a:ext cx="8363272" cy="1143000"/>
+          </a:xfrm>
+        </p:spPr>
+        <p:txBody>
+          <a:bodyPr>
+            <a:normAutofit/>
+          </a:bodyPr>
+          <a:lstStyle/>
+          <a:p>
+            <a:pPr eaLnBrk="1" hangingPunct="1">
+              <a:defRPr/>
+            </a:pPr>
+            <a:r>
+              <a:rPr lang="es-MX" b="1" dirty="0">
+                <a:solidFill>
+                  <a:schemeClr val="accent4">
+                    <a:lumMod val="50000"/>
+                  </a:schemeClr>
+                </a:solidFill>
+                <a:effectLst>
+                  <a:outerShdw blurRad="38100" dist="38100" dir="2700000" algn="tl">
+                    <a:srgbClr val="C0C0C0"/>
+                  </a:outerShdw>
+                </a:effectLst>
+                <a:latin typeface="Dom Casual" charset="0"/>
+              </a:rPr>
+              <a:t>Expresión regular</a:t>
+            </a:r>
+          </a:p>
+        </p:txBody>
+      </p:sp>
+      <p:sp>
+        <p:nvSpPr>
+          <p:cNvPr id="5" name="CuadroTexto 4">
+            <a:extLst>
+              <a:ext uri="{FF2B5EF4-FFF2-40B4-BE49-F238E27FC236}">
+                <a16:creationId xmlns:a16="http://schemas.microsoft.com/office/drawing/2014/main" id="{FC189524-E564-48DD-B173-E7D162EDC50C}"/>
+              </a:ext>
+            </a:extLst>
+          </p:cNvPr>
+          <p:cNvSpPr txBox="1"/>
+          <p:nvPr/>
+        </p:nvSpPr>
+        <p:spPr>
+          <a:xfrm>
+            <a:off x="289721" y="1147056"/>
+            <a:ext cx="7920880" cy="506292"/>
+          </a:xfrm>
+          <a:prstGeom prst="rect">
+            <a:avLst/>
+          </a:prstGeom>
+          <a:noFill/>
+        </p:spPr>
+        <p:txBody>
+          <a:bodyPr wrap="square">
+            <a:spAutoFit/>
+          </a:bodyPr>
+          <a:lstStyle/>
+          <a:p>
+            <a:pPr algn="just">
+              <a:lnSpc>
+                <a:spcPct val="150000"/>
+              </a:lnSpc>
+            </a:pPr>
+            <a:r>
+              <a:rPr lang="es-ES" sz="2000" b="1" i="0" dirty="0">
+                <a:solidFill>
+                  <a:schemeClr val="tx1">
+                    <a:lumMod val="95000"/>
+                    <a:lumOff val="5000"/>
+                  </a:schemeClr>
+                </a:solidFill>
+                <a:effectLst/>
+              </a:rPr>
+              <a:t>Ejercicio: </a:t>
+            </a:r>
+            <a:r>
+              <a:rPr lang="es-ES" sz="2000" i="0" dirty="0">
+                <a:solidFill>
+                  <a:schemeClr val="tx1">
+                    <a:lumMod val="95000"/>
+                    <a:lumOff val="5000"/>
+                  </a:schemeClr>
+                </a:solidFill>
+                <a:effectLst/>
+              </a:rPr>
+              <a:t>Seleccionar correo electrónico.</a:t>
+            </a:r>
+            <a:endParaRPr lang="es-ES" sz="2000" dirty="0">
+              <a:solidFill>
+                <a:schemeClr val="tx1">
+                  <a:lumMod val="95000"/>
+                  <a:lumOff val="5000"/>
+                </a:schemeClr>
+              </a:solidFill>
+            </a:endParaRPr>
+          </a:p>
+        </p:txBody>
+      </p:sp>
+      <p:pic>
+        <p:nvPicPr>
+          <p:cNvPr id="3" name="Picture 2">
+            <a:extLst>
+              <a:ext uri="{FF2B5EF4-FFF2-40B4-BE49-F238E27FC236}">
+                <a16:creationId xmlns:a16="http://schemas.microsoft.com/office/drawing/2014/main" id="{D5E17689-6A8A-C043-9728-8D87DDF7DD71}"/>
+              </a:ext>
+            </a:extLst>
+          </p:cNvPr>
+          <p:cNvPicPr>
+            <a:picLocks noChangeAspect="1"/>
+          </p:cNvPicPr>
+          <p:nvPr/>
+        </p:nvPicPr>
+        <p:blipFill>
+          <a:blip r:embed="rId3"/>
+          <a:stretch>
+            <a:fillRect/>
+          </a:stretch>
+        </p:blipFill>
+        <p:spPr>
+          <a:xfrm>
+            <a:off x="1673643" y="1772816"/>
+            <a:ext cx="5595428" cy="4594690"/>
+          </a:xfrm>
+          <a:prstGeom prst="rect">
+            <a:avLst/>
+          </a:prstGeom>
+        </p:spPr>
+      </p:pic>
+    </p:spTree>
+    <p:extLst>
+      <p:ext uri="{BB962C8B-B14F-4D97-AF65-F5344CB8AC3E}">
+        <p14:creationId xmlns:p14="http://schemas.microsoft.com/office/powerpoint/2010/main" val="1828510850"/>
+      </p:ext>
+    </p:extLst>
+  </p:cSld>
+  <p:clrMapOvr>
+    <a:masterClrMapping/>
+  </p:clrMapOvr>
+</p:sld>
+</file>
+
+<file path=ppt/slides/slide52.xml><?xml version="1.0" encoding="utf-8"?>
 <p:sld xmlns:a="http://schemas.openxmlformats.org/drawingml/2006/main" xmlns:r="http://schemas.openxmlformats.org/officeDocument/2006/relationships" xmlns:p="http://schemas.openxmlformats.org/presentationml/2006/main">
   <p:cSld>
     <p:spTree>
@@ -20075,7 +20302,7 @@
                 <a:cs typeface="Calibri"/>
               </a:rPr>
               <a:pPr marL="25400"/>
-              <a:t>51</a:t>
+              <a:t>52</a:t>
             </a:fld>
             <a:endParaRPr dirty="0">
               <a:latin typeface="Calibri"/>
